--- a/Presentations/AzureLabSetup.pptx
+++ b/Presentations/AzureLabSetup.pptx
@@ -7,7 +7,8 @@
   <p:sldIdLst>
     <p:sldId id="259" r:id="rId2"/>
     <p:sldId id="258" r:id="rId3"/>
-    <p:sldId id="257" r:id="rId4"/>
+    <p:sldId id="260" r:id="rId4"/>
+    <p:sldId id="261" r:id="rId5"/>
   </p:sldIdLst>
   <p:sldSz cx="12192000" cy="6858000"/>
   <p:notesSz cx="6858000" cy="9144000"/>
@@ -106,7 +107,159 @@
       </a:defRPr>
     </a:lvl9pPr>
   </p:defaultTextStyle>
+  <p:extLst>
+    <p:ext uri="{EFAFB233-063F-42B5-8137-9DF3F51BA10A}">
+      <p15:sldGuideLst xmlns:p15="http://schemas.microsoft.com/office/powerpoint/2012/main"/>
+    </p:ext>
+  </p:extLst>
 </p:presentation>
+</file>
+
+<file path=ppt/revisionInfo.xml><?xml version="1.0" encoding="utf-8"?>
+<p1510:revInfo xmlns:a="http://schemas.openxmlformats.org/drawingml/2006/main" xmlns:r="http://schemas.openxmlformats.org/officeDocument/2006/relationships" xmlns:p1510="http://schemas.microsoft.com/office/powerpoint/2015/10/main">
+  <p1510:revLst>
+    <p1510:client id="{E8D285F8-0371-446F-99B8-A434467C6631}" v="11" dt="2019-09-06T20:23:26.700"/>
+  </p1510:revLst>
+</p1510:revInfo>
+</file>
+
+<file path=ppt/changesInfos/changesInfo1.xml><?xml version="1.0" encoding="utf-8"?>
+<pc:chgInfo xmlns:a="http://schemas.openxmlformats.org/drawingml/2006/main" xmlns:r="http://schemas.openxmlformats.org/officeDocument/2006/relationships" xmlns:ac="http://schemas.microsoft.com/office/drawing/2013/main/command" xmlns:pc="http://schemas.microsoft.com/office/powerpoint/2013/main/command">
+  <pc:docChgLst>
+    <pc:chgData name="Chad Gronbach" userId="eb40a10fa1876ab6" providerId="LiveId" clId="{E8D285F8-0371-446F-99B8-A434467C6631}"/>
+    <pc:docChg chg="custSel addSld delSld modSld sldOrd">
+      <pc:chgData name="Chad Gronbach" userId="eb40a10fa1876ab6" providerId="LiveId" clId="{E8D285F8-0371-446F-99B8-A434467C6631}" dt="2019-09-06T20:24:12.357" v="230" actId="2696"/>
+      <pc:docMkLst>
+        <pc:docMk/>
+      </pc:docMkLst>
+      <pc:sldChg chg="del">
+        <pc:chgData name="Chad Gronbach" userId="eb40a10fa1876ab6" providerId="LiveId" clId="{E8D285F8-0371-446F-99B8-A434467C6631}" dt="2019-09-06T20:24:12.357" v="230" actId="2696"/>
+        <pc:sldMkLst>
+          <pc:docMk/>
+          <pc:sldMk cId="274338958" sldId="257"/>
+        </pc:sldMkLst>
+      </pc:sldChg>
+      <pc:sldChg chg="addSp add">
+        <pc:chgData name="Chad Gronbach" userId="eb40a10fa1876ab6" providerId="LiveId" clId="{E8D285F8-0371-446F-99B8-A434467C6631}" dt="2019-09-06T20:18:51.523" v="1"/>
+        <pc:sldMkLst>
+          <pc:docMk/>
+          <pc:sldMk cId="724565196" sldId="260"/>
+        </pc:sldMkLst>
+        <pc:picChg chg="add">
+          <ac:chgData name="Chad Gronbach" userId="eb40a10fa1876ab6" providerId="LiveId" clId="{E8D285F8-0371-446F-99B8-A434467C6631}" dt="2019-09-06T20:18:51.523" v="1"/>
+          <ac:picMkLst>
+            <pc:docMk/>
+            <pc:sldMk cId="724565196" sldId="260"/>
+            <ac:picMk id="3" creationId="{638A6772-ACA8-49C3-8D00-1F2E8D77C7EE}"/>
+          </ac:picMkLst>
+        </pc:picChg>
+      </pc:sldChg>
+      <pc:sldChg chg="addSp modSp add ord">
+        <pc:chgData name="Chad Gronbach" userId="eb40a10fa1876ab6" providerId="LiveId" clId="{E8D285F8-0371-446F-99B8-A434467C6631}" dt="2019-09-06T20:23:42.013" v="229" actId="1076"/>
+        <pc:sldMkLst>
+          <pc:docMk/>
+          <pc:sldMk cId="2557081273" sldId="261"/>
+        </pc:sldMkLst>
+        <pc:spChg chg="mod">
+          <ac:chgData name="Chad Gronbach" userId="eb40a10fa1876ab6" providerId="LiveId" clId="{E8D285F8-0371-446F-99B8-A434467C6631}" dt="2019-09-06T20:23:18.058" v="224" actId="1076"/>
+          <ac:spMkLst>
+            <pc:docMk/>
+            <pc:sldMk cId="2557081273" sldId="261"/>
+            <ac:spMk id="2" creationId="{01438F93-1DE1-485B-B1A2-B0FCEE1BABDA}"/>
+          </ac:spMkLst>
+        </pc:spChg>
+        <pc:spChg chg="add mod">
+          <ac:chgData name="Chad Gronbach" userId="eb40a10fa1876ab6" providerId="LiveId" clId="{E8D285F8-0371-446F-99B8-A434467C6631}" dt="2019-09-06T20:23:25.670" v="226" actId="1076"/>
+          <ac:spMkLst>
+            <pc:docMk/>
+            <pc:sldMk cId="2557081273" sldId="261"/>
+            <ac:spMk id="4" creationId="{BC94305D-0E4D-40AE-9A18-75AA6882231F}"/>
+          </ac:spMkLst>
+        </pc:spChg>
+        <pc:spChg chg="add mod">
+          <ac:chgData name="Chad Gronbach" userId="eb40a10fa1876ab6" providerId="LiveId" clId="{E8D285F8-0371-446F-99B8-A434467C6631}" dt="2019-09-06T20:21:44.084" v="148" actId="1076"/>
+          <ac:spMkLst>
+            <pc:docMk/>
+            <pc:sldMk cId="2557081273" sldId="261"/>
+            <ac:spMk id="5" creationId="{D29673C9-CF34-4315-8E24-EF1137E6A409}"/>
+          </ac:spMkLst>
+        </pc:spChg>
+        <pc:spChg chg="add mod">
+          <ac:chgData name="Chad Gronbach" userId="eb40a10fa1876ab6" providerId="LiveId" clId="{E8D285F8-0371-446F-99B8-A434467C6631}" dt="2019-09-06T20:21:03.148" v="120" actId="1076"/>
+          <ac:spMkLst>
+            <pc:docMk/>
+            <pc:sldMk cId="2557081273" sldId="261"/>
+            <ac:spMk id="6" creationId="{0E75F567-D685-4B6F-9EEE-114DDF148FE3}"/>
+          </ac:spMkLst>
+        </pc:spChg>
+        <pc:spChg chg="add mod">
+          <ac:chgData name="Chad Gronbach" userId="eb40a10fa1876ab6" providerId="LiveId" clId="{E8D285F8-0371-446F-99B8-A434467C6631}" dt="2019-09-06T20:21:51.823" v="150" actId="1076"/>
+          <ac:spMkLst>
+            <pc:docMk/>
+            <pc:sldMk cId="2557081273" sldId="261"/>
+            <ac:spMk id="7" creationId="{DE7BC66C-FD13-4165-B266-2AF238FE6BFF}"/>
+          </ac:spMkLst>
+        </pc:spChg>
+        <pc:spChg chg="add mod">
+          <ac:chgData name="Chad Gronbach" userId="eb40a10fa1876ab6" providerId="LiveId" clId="{E8D285F8-0371-446F-99B8-A434467C6631}" dt="2019-09-06T20:21:22.498" v="123" actId="14100"/>
+          <ac:spMkLst>
+            <pc:docMk/>
+            <pc:sldMk cId="2557081273" sldId="261"/>
+            <ac:spMk id="8" creationId="{3E812821-4DB3-45D4-8AB9-A6CFA0FA5F9D}"/>
+          </ac:spMkLst>
+        </pc:spChg>
+        <pc:spChg chg="add mod">
+          <ac:chgData name="Chad Gronbach" userId="eb40a10fa1876ab6" providerId="LiveId" clId="{E8D285F8-0371-446F-99B8-A434467C6631}" dt="2019-09-06T20:22:18.823" v="181" actId="1076"/>
+          <ac:spMkLst>
+            <pc:docMk/>
+            <pc:sldMk cId="2557081273" sldId="261"/>
+            <ac:spMk id="9" creationId="{AB47DBBD-E092-4EA5-9567-BBEDF43B05E7}"/>
+          </ac:spMkLst>
+        </pc:spChg>
+        <pc:spChg chg="add mod">
+          <ac:chgData name="Chad Gronbach" userId="eb40a10fa1876ab6" providerId="LiveId" clId="{E8D285F8-0371-446F-99B8-A434467C6631}" dt="2019-09-06T20:22:01.003" v="152" actId="1076"/>
+          <ac:spMkLst>
+            <pc:docMk/>
+            <pc:sldMk cId="2557081273" sldId="261"/>
+            <ac:spMk id="10" creationId="{4A9CD350-07DB-46FD-B22D-840EBF059CCF}"/>
+          </ac:spMkLst>
+        </pc:spChg>
+        <pc:spChg chg="add mod">
+          <ac:chgData name="Chad Gronbach" userId="eb40a10fa1876ab6" providerId="LiveId" clId="{E8D285F8-0371-446F-99B8-A434467C6631}" dt="2019-09-06T20:22:55.364" v="222" actId="1076"/>
+          <ac:spMkLst>
+            <pc:docMk/>
+            <pc:sldMk cId="2557081273" sldId="261"/>
+            <ac:spMk id="11" creationId="{ECC32E82-B248-447D-B495-E1D9A6A3ECB6}"/>
+          </ac:spMkLst>
+        </pc:spChg>
+        <pc:spChg chg="add mod">
+          <ac:chgData name="Chad Gronbach" userId="eb40a10fa1876ab6" providerId="LiveId" clId="{E8D285F8-0371-446F-99B8-A434467C6631}" dt="2019-09-06T20:22:29.661" v="183" actId="1076"/>
+          <ac:spMkLst>
+            <pc:docMk/>
+            <pc:sldMk cId="2557081273" sldId="261"/>
+            <ac:spMk id="12" creationId="{EA4997BA-D05C-406F-9E22-5C5CB51DCD59}"/>
+          </ac:spMkLst>
+        </pc:spChg>
+        <pc:spChg chg="add mod">
+          <ac:chgData name="Chad Gronbach" userId="eb40a10fa1876ab6" providerId="LiveId" clId="{E8D285F8-0371-446F-99B8-A434467C6631}" dt="2019-09-06T20:23:42.013" v="229" actId="1076"/>
+          <ac:spMkLst>
+            <pc:docMk/>
+            <pc:sldMk cId="2557081273" sldId="261"/>
+            <ac:spMk id="13" creationId="{AED74395-73F1-472B-96F9-C94CED894C29}"/>
+          </ac:spMkLst>
+        </pc:spChg>
+        <pc:picChg chg="add mod">
+          <ac:chgData name="Chad Gronbach" userId="eb40a10fa1876ab6" providerId="LiveId" clId="{E8D285F8-0371-446F-99B8-A434467C6631}" dt="2019-09-06T20:19:42.028" v="7" actId="1076"/>
+          <ac:picMkLst>
+            <pc:docMk/>
+            <pc:sldMk cId="2557081273" sldId="261"/>
+            <ac:picMk id="3" creationId="{351232AD-89A9-4AA8-85C2-79F3B23C65B0}"/>
+          </ac:picMkLst>
+        </pc:picChg>
+      </pc:sldChg>
+    </pc:docChg>
+  </pc:docChgLst>
+</pc:chgInfo>
 </file>
 
 <file path=ppt/slideLayouts/slideLayout1.xml><?xml version="1.0" encoding="utf-8"?>
@@ -3671,12 +3824,37 @@
           <a:chExt cx="0" cy="0"/>
         </a:xfrm>
       </p:grpSpPr>
+      <p:sp>
+        <p:nvSpPr>
+          <p:cNvPr id="2" name="Title 1">
+            <a:extLst>
+              <a:ext uri="{FF2B5EF4-FFF2-40B4-BE49-F238E27FC236}">
+                <a16:creationId xmlns:a16="http://schemas.microsoft.com/office/drawing/2014/main" id="{1EC4A6E0-C87E-4225-A23F-F43E58E5D8B3}"/>
+              </a:ext>
+            </a:extLst>
+          </p:cNvPr>
+          <p:cNvSpPr>
+            <a:spLocks noGrp="1"/>
+          </p:cNvSpPr>
+          <p:nvPr>
+            <p:ph type="title"/>
+          </p:nvPr>
+        </p:nvSpPr>
+        <p:spPr/>
+        <p:txBody>
+          <a:bodyPr/>
+          <a:lstStyle/>
+          <a:p>
+            <a:endParaRPr lang="en-US"/>
+          </a:p>
+        </p:txBody>
+      </p:sp>
       <p:pic>
         <p:nvPicPr>
-          <p:cNvPr id="4" name="Picture 3">
-            <a:extLst>
-              <a:ext uri="{FF2B5EF4-FFF2-40B4-BE49-F238E27FC236}">
-                <a16:creationId xmlns:a16="http://schemas.microsoft.com/office/drawing/2014/main" id="{12700C8D-191E-4F0E-A6F0-7B7548894C26}"/>
+          <p:cNvPr id="3" name="Picture 2">
+            <a:extLst>
+              <a:ext uri="{FF2B5EF4-FFF2-40B4-BE49-F238E27FC236}">
+                <a16:creationId xmlns:a16="http://schemas.microsoft.com/office/drawing/2014/main" id="{638A6772-ACA8-49C3-8D00-1F2E8D77C7EE}"/>
               </a:ext>
             </a:extLst>
           </p:cNvPr>
@@ -3693,20 +3871,50 @@
         </p:blipFill>
         <p:spPr>
           <a:xfrm>
-            <a:off x="2422687" y="1487605"/>
-            <a:ext cx="7151150" cy="5126207"/>
+            <a:off x="974916" y="1142802"/>
+            <a:ext cx="10242168" cy="4572396"/>
           </a:xfrm>
           <a:prstGeom prst="rect">
             <a:avLst/>
           </a:prstGeom>
         </p:spPr>
       </p:pic>
-      <p:sp>
-        <p:nvSpPr>
-          <p:cNvPr id="5" name="Title 4">
-            <a:extLst>
-              <a:ext uri="{FF2B5EF4-FFF2-40B4-BE49-F238E27FC236}">
-                <a16:creationId xmlns:a16="http://schemas.microsoft.com/office/drawing/2014/main" id="{565291B3-A0B8-4D0E-8BCB-66FA4CE9289A}"/>
+    </p:spTree>
+    <p:extLst>
+      <p:ext uri="{BB962C8B-B14F-4D97-AF65-F5344CB8AC3E}">
+        <p14:creationId xmlns:p14="http://schemas.microsoft.com/office/powerpoint/2010/main" val="724565196"/>
+      </p:ext>
+    </p:extLst>
+  </p:cSld>
+  <p:clrMapOvr>
+    <a:masterClrMapping/>
+  </p:clrMapOvr>
+</p:sld>
+</file>
+
+<file path=ppt/slides/slide4.xml><?xml version="1.0" encoding="utf-8"?>
+<p:sld xmlns:a="http://schemas.openxmlformats.org/drawingml/2006/main" xmlns:r="http://schemas.openxmlformats.org/officeDocument/2006/relationships" xmlns:p="http://schemas.openxmlformats.org/presentationml/2006/main">
+  <p:cSld>
+    <p:spTree>
+      <p:nvGrpSpPr>
+        <p:cNvPr id="1" name=""/>
+        <p:cNvGrpSpPr/>
+        <p:nvPr/>
+      </p:nvGrpSpPr>
+      <p:grpSpPr>
+        <a:xfrm>
+          <a:off x="0" y="0"/>
+          <a:ext cx="0" cy="0"/>
+          <a:chOff x="0" y="0"/>
+          <a:chExt cx="0" cy="0"/>
+        </a:xfrm>
+      </p:grpSpPr>
+      <p:sp>
+        <p:nvSpPr>
+          <p:cNvPr id="2" name="Title 1">
+            <a:extLst>
+              <a:ext uri="{FF2B5EF4-FFF2-40B4-BE49-F238E27FC236}">
+                <a16:creationId xmlns:a16="http://schemas.microsoft.com/office/drawing/2014/main" id="{01438F93-1DE1-485B-B1A2-B0FCEE1BABDA}"/>
               </a:ext>
             </a:extLst>
           </p:cNvPr>
@@ -3719,8 +3927,8 @@
         </p:nvSpPr>
         <p:spPr>
           <a:xfrm>
-            <a:off x="278641" y="162042"/>
-            <a:ext cx="10515600" cy="1325563"/>
+            <a:off x="251565" y="189286"/>
+            <a:ext cx="4166616" cy="1000379"/>
           </a:xfrm>
         </p:spPr>
         <p:txBody>
@@ -3729,17 +3937,47 @@
           <a:p>
             <a:r>
               <a:rPr lang="en-US" dirty="0"/>
-              <a:t>Press -&gt; Enter Lab for Login Information</a:t>
-            </a:r>
-          </a:p>
-        </p:txBody>
-      </p:sp>
-      <p:sp>
-        <p:nvSpPr>
-          <p:cNvPr id="6" name="TextBox 5">
-            <a:extLst>
-              <a:ext uri="{FF2B5EF4-FFF2-40B4-BE49-F238E27FC236}">
-                <a16:creationId xmlns:a16="http://schemas.microsoft.com/office/drawing/2014/main" id="{92010405-9783-4BB7-9615-E99F67B3FCE2}"/>
+              <a:t>Lab Info Page</a:t>
+            </a:r>
+          </a:p>
+        </p:txBody>
+      </p:sp>
+      <p:pic>
+        <p:nvPicPr>
+          <p:cNvPr id="3" name="Picture 2">
+            <a:extLst>
+              <a:ext uri="{FF2B5EF4-FFF2-40B4-BE49-F238E27FC236}">
+                <a16:creationId xmlns:a16="http://schemas.microsoft.com/office/drawing/2014/main" id="{351232AD-89A9-4AA8-85C2-79F3B23C65B0}"/>
+              </a:ext>
+            </a:extLst>
+          </p:cNvPr>
+          <p:cNvPicPr>
+            <a:picLocks noChangeAspect="1"/>
+          </p:cNvPicPr>
+          <p:nvPr/>
+        </p:nvPicPr>
+        <p:blipFill>
+          <a:blip r:embed="rId2"/>
+          <a:stretch>
+            <a:fillRect/>
+          </a:stretch>
+        </p:blipFill>
+        <p:spPr>
+          <a:xfrm>
+            <a:off x="6150864" y="200685"/>
+            <a:ext cx="5057055" cy="6456629"/>
+          </a:xfrm>
+          <a:prstGeom prst="rect">
+            <a:avLst/>
+          </a:prstGeom>
+        </p:spPr>
+      </p:pic>
+      <p:sp>
+        <p:nvSpPr>
+          <p:cNvPr id="4" name="TextBox 3">
+            <a:extLst>
+              <a:ext uri="{FF2B5EF4-FFF2-40B4-BE49-F238E27FC236}">
+                <a16:creationId xmlns:a16="http://schemas.microsoft.com/office/drawing/2014/main" id="{BC94305D-0E4D-40AE-9A18-75AA6882231F}"/>
               </a:ext>
             </a:extLst>
           </p:cNvPr>
@@ -3748,8 +3986,8 @@
         </p:nvSpPr>
         <p:spPr>
           <a:xfrm>
-            <a:off x="4775807" y="1072106"/>
-            <a:ext cx="6184801" cy="830997"/>
+            <a:off x="453011" y="1025868"/>
+            <a:ext cx="5642989" cy="646331"/>
           </a:xfrm>
           <a:prstGeom prst="rect">
             <a:avLst/>
@@ -3763,29 +4001,18 @@
           <a:lstStyle/>
           <a:p>
             <a:r>
-              <a:rPr lang="en-US" sz="2400" dirty="0">
-                <a:solidFill>
-                  <a:srgbClr val="FF0000"/>
-                </a:solidFill>
-              </a:rPr>
-              <a:t>* This information was also sent to your email</a:t>
-            </a:r>
-          </a:p>
-          <a:p>
-            <a:endParaRPr lang="en-US" sz="2400" dirty="0">
-              <a:solidFill>
-                <a:srgbClr val="FF0000"/>
-              </a:solidFill>
-            </a:endParaRPr>
-          </a:p>
-        </p:txBody>
-      </p:sp>
-      <p:sp>
-        <p:nvSpPr>
-          <p:cNvPr id="7" name="TextBox 6">
-            <a:extLst>
-              <a:ext uri="{FF2B5EF4-FFF2-40B4-BE49-F238E27FC236}">
-                <a16:creationId xmlns:a16="http://schemas.microsoft.com/office/drawing/2014/main" id="{3ACC7364-6C87-438A-9B3A-2BF47A909EE3}"/>
+              <a:rPr lang="en-US" dirty="0"/>
+              <a:t>You will get a page like this after you press the ‘launch lab’ button</a:t>
+            </a:r>
+          </a:p>
+        </p:txBody>
+      </p:sp>
+      <p:sp>
+        <p:nvSpPr>
+          <p:cNvPr id="5" name="TextBox 4">
+            <a:extLst>
+              <a:ext uri="{FF2B5EF4-FFF2-40B4-BE49-F238E27FC236}">
+                <a16:creationId xmlns:a16="http://schemas.microsoft.com/office/drawing/2014/main" id="{D29673C9-CF34-4315-8E24-EF1137E6A409}"/>
               </a:ext>
             </a:extLst>
           </p:cNvPr>
@@ -3794,7 +4021,7 @@
         </p:nvSpPr>
         <p:spPr>
           <a:xfrm>
-            <a:off x="1461836" y="2895345"/>
+            <a:off x="4101206" y="2253975"/>
             <a:ext cx="1885068" cy="369332"/>
           </a:xfrm>
           <a:prstGeom prst="rect">
@@ -3817,10 +4044,10 @@
       </p:sp>
       <p:sp>
         <p:nvSpPr>
-          <p:cNvPr id="8" name="Left Brace 7">
-            <a:extLst>
-              <a:ext uri="{FF2B5EF4-FFF2-40B4-BE49-F238E27FC236}">
-                <a16:creationId xmlns:a16="http://schemas.microsoft.com/office/drawing/2014/main" id="{4A8CDE00-8F08-405F-9032-0BA078BCC375}"/>
+          <p:cNvPr id="6" name="Left Brace 5">
+            <a:extLst>
+              <a:ext uri="{FF2B5EF4-FFF2-40B4-BE49-F238E27FC236}">
+                <a16:creationId xmlns:a16="http://schemas.microsoft.com/office/drawing/2014/main" id="{0E75F567-D685-4B6F-9EEE-114DDF148FE3}"/>
               </a:ext>
             </a:extLst>
           </p:cNvPr>
@@ -3829,7 +4056,7 @@
         </p:nvSpPr>
         <p:spPr>
           <a:xfrm>
-            <a:off x="2682240" y="2956560"/>
+            <a:off x="6041137" y="2223291"/>
             <a:ext cx="1625515" cy="472440"/>
           </a:xfrm>
           <a:prstGeom prst="leftBrace">
@@ -3862,29 +4089,64 @@
           </a:p>
         </p:txBody>
       </p:sp>
-      <p:cxnSp>
-        <p:nvCxnSpPr>
-          <p:cNvPr id="11" name="Straight Arrow Connector 10">
-            <a:extLst>
-              <a:ext uri="{FF2B5EF4-FFF2-40B4-BE49-F238E27FC236}">
-                <a16:creationId xmlns:a16="http://schemas.microsoft.com/office/drawing/2014/main" id="{9C9A9040-6DDF-4D27-8CDF-69F3D00EE0A5}"/>
-              </a:ext>
-            </a:extLst>
-          </p:cNvPr>
-          <p:cNvCxnSpPr/>
+      <p:sp>
+        <p:nvSpPr>
+          <p:cNvPr id="7" name="TextBox 6">
+            <a:extLst>
+              <a:ext uri="{FF2B5EF4-FFF2-40B4-BE49-F238E27FC236}">
+                <a16:creationId xmlns:a16="http://schemas.microsoft.com/office/drawing/2014/main" id="{DE7BC66C-FD13-4165-B266-2AF238FE6BFF}"/>
+              </a:ext>
+            </a:extLst>
+          </p:cNvPr>
+          <p:cNvSpPr txBox="1"/>
           <p:nvPr/>
-        </p:nvCxnSpPr>
+        </p:nvSpPr>
         <p:spPr>
           <a:xfrm>
-            <a:off x="2261616" y="4096512"/>
-            <a:ext cx="1871472" cy="0"/>
+            <a:off x="3669421" y="3592350"/>
+            <a:ext cx="2223622" cy="369332"/>
           </a:xfrm>
-          <a:prstGeom prst="straightConnector1">
+          <a:prstGeom prst="rect">
             <a:avLst/>
           </a:prstGeom>
-          <a:ln>
-            <a:tailEnd type="triangle"/>
-          </a:ln>
+          <a:noFill/>
+        </p:spPr>
+        <p:txBody>
+          <a:bodyPr wrap="none" rtlCol="0">
+            <a:spAutoFit/>
+          </a:bodyPr>
+          <a:lstStyle/>
+          <a:p>
+            <a:r>
+              <a:rPr lang="en-US" dirty="0"/>
+              <a:t>SPN Needed for Lab 3</a:t>
+            </a:r>
+          </a:p>
+        </p:txBody>
+      </p:sp>
+      <p:sp>
+        <p:nvSpPr>
+          <p:cNvPr id="8" name="Left Brace 7">
+            <a:extLst>
+              <a:ext uri="{FF2B5EF4-FFF2-40B4-BE49-F238E27FC236}">
+                <a16:creationId xmlns:a16="http://schemas.microsoft.com/office/drawing/2014/main" id="{3E812821-4DB3-45D4-8AB9-A6CFA0FA5F9D}"/>
+              </a:ext>
+            </a:extLst>
+          </p:cNvPr>
+          <p:cNvSpPr/>
+          <p:nvPr/>
+        </p:nvSpPr>
+        <p:spPr>
+          <a:xfrm>
+            <a:off x="5893043" y="3140528"/>
+            <a:ext cx="1625515" cy="1272976"/>
+          </a:xfrm>
+          <a:prstGeom prst="leftBrace">
+            <a:avLst>
+              <a:gd name="adj1" fmla="val 8333"/>
+              <a:gd name="adj2" fmla="val 51291"/>
+            </a:avLst>
+          </a:prstGeom>
         </p:spPr>
         <p:style>
           <a:lnRef idx="1">
@@ -3900,13 +4162,21 @@
             <a:schemeClr val="tx1"/>
           </a:fontRef>
         </p:style>
-      </p:cxnSp>
-      <p:sp>
-        <p:nvSpPr>
-          <p:cNvPr id="12" name="TextBox 11">
-            <a:extLst>
-              <a:ext uri="{FF2B5EF4-FFF2-40B4-BE49-F238E27FC236}">
-                <a16:creationId xmlns:a16="http://schemas.microsoft.com/office/drawing/2014/main" id="{19CFD4B0-A67F-4A2A-8596-5277C37F8332}"/>
+        <p:txBody>
+          <a:bodyPr rtlCol="0" anchor="ctr"/>
+          <a:lstStyle/>
+          <a:p>
+            <a:pPr algn="ctr"/>
+            <a:endParaRPr lang="en-US"/>
+          </a:p>
+        </p:txBody>
+      </p:sp>
+      <p:sp>
+        <p:nvSpPr>
+          <p:cNvPr id="9" name="TextBox 8">
+            <a:extLst>
+              <a:ext uri="{FF2B5EF4-FFF2-40B4-BE49-F238E27FC236}">
+                <a16:creationId xmlns:a16="http://schemas.microsoft.com/office/drawing/2014/main" id="{AB47DBBD-E092-4EA5-9567-BBEDF43B05E7}"/>
               </a:ext>
             </a:extLst>
           </p:cNvPr>
@@ -3915,8 +4185,8 @@
         </p:nvSpPr>
         <p:spPr>
           <a:xfrm>
-            <a:off x="1461836" y="3797808"/>
-            <a:ext cx="1884747" cy="369332"/>
+            <a:off x="3016964" y="4888570"/>
+            <a:ext cx="2802434" cy="369332"/>
           </a:xfrm>
           <a:prstGeom prst="rect">
             <a:avLst/>
@@ -3931,34 +4201,34 @@
           <a:p>
             <a:r>
               <a:rPr lang="en-US" dirty="0"/>
-              <a:t>Lab 3 DevOps URL</a:t>
-            </a:r>
-          </a:p>
-        </p:txBody>
-      </p:sp>
-      <p:cxnSp>
-        <p:nvCxnSpPr>
-          <p:cNvPr id="14" name="Straight Arrow Connector 13">
-            <a:extLst>
-              <a:ext uri="{FF2B5EF4-FFF2-40B4-BE49-F238E27FC236}">
-                <a16:creationId xmlns:a16="http://schemas.microsoft.com/office/drawing/2014/main" id="{26E0610F-6CF5-4AF9-A55C-27FFE4AF6AF0}"/>
-              </a:ext>
-            </a:extLst>
-          </p:cNvPr>
-          <p:cNvCxnSpPr/>
+              <a:t>Backup SQL Server for Lab 2</a:t>
+            </a:r>
+          </a:p>
+        </p:txBody>
+      </p:sp>
+      <p:sp>
+        <p:nvSpPr>
+          <p:cNvPr id="10" name="Left Brace 9">
+            <a:extLst>
+              <a:ext uri="{FF2B5EF4-FFF2-40B4-BE49-F238E27FC236}">
+                <a16:creationId xmlns:a16="http://schemas.microsoft.com/office/drawing/2014/main" id="{4A9CD350-07DB-46FD-B22D-840EBF059CCF}"/>
+              </a:ext>
+            </a:extLst>
+          </p:cNvPr>
+          <p:cNvSpPr/>
           <p:nvPr/>
-        </p:nvCxnSpPr>
+        </p:nvSpPr>
         <p:spPr>
           <a:xfrm>
-            <a:off x="2541911" y="5218176"/>
-            <a:ext cx="1609344" cy="0"/>
+            <a:off x="5819398" y="4858301"/>
+            <a:ext cx="1625515" cy="472440"/>
           </a:xfrm>
-          <a:prstGeom prst="straightConnector1">
-            <a:avLst/>
+          <a:prstGeom prst="leftBrace">
+            <a:avLst>
+              <a:gd name="adj1" fmla="val 8333"/>
+              <a:gd name="adj2" fmla="val 51291"/>
+            </a:avLst>
           </a:prstGeom>
-          <a:ln>
-            <a:tailEnd type="triangle"/>
-          </a:ln>
         </p:spPr>
         <p:style>
           <a:lnRef idx="1">
@@ -3974,13 +4244,21 @@
             <a:schemeClr val="tx1"/>
           </a:fontRef>
         </p:style>
-      </p:cxnSp>
-      <p:sp>
-        <p:nvSpPr>
-          <p:cNvPr id="15" name="TextBox 14">
-            <a:extLst>
-              <a:ext uri="{FF2B5EF4-FFF2-40B4-BE49-F238E27FC236}">
-                <a16:creationId xmlns:a16="http://schemas.microsoft.com/office/drawing/2014/main" id="{18D47426-4481-4CBA-AC2A-DF1A3DD79C2B}"/>
+        <p:txBody>
+          <a:bodyPr rtlCol="0" anchor="ctr"/>
+          <a:lstStyle/>
+          <a:p>
+            <a:pPr algn="ctr"/>
+            <a:endParaRPr lang="en-US"/>
+          </a:p>
+        </p:txBody>
+      </p:sp>
+      <p:sp>
+        <p:nvSpPr>
+          <p:cNvPr id="11" name="TextBox 10">
+            <a:extLst>
+              <a:ext uri="{FF2B5EF4-FFF2-40B4-BE49-F238E27FC236}">
+                <a16:creationId xmlns:a16="http://schemas.microsoft.com/office/drawing/2014/main" id="{ECC32E82-B248-447D-B495-E1D9A6A3ECB6}"/>
               </a:ext>
             </a:extLst>
           </p:cNvPr>
@@ -3989,8 +4267,8 @@
         </p:nvSpPr>
         <p:spPr>
           <a:xfrm>
-            <a:off x="1461836" y="4778217"/>
-            <a:ext cx="1673792" cy="369332"/>
+            <a:off x="3419856" y="5448435"/>
+            <a:ext cx="2304288" cy="646331"/>
           </a:xfrm>
           <a:prstGeom prst="rect">
             <a:avLst/>
@@ -3998,22 +4276,115 @@
           <a:noFill/>
         </p:spPr>
         <p:txBody>
-          <a:bodyPr wrap="none" rtlCol="0">
+          <a:bodyPr wrap="square" rtlCol="0">
             <a:spAutoFit/>
           </a:bodyPr>
           <a:lstStyle/>
           <a:p>
             <a:r>
               <a:rPr lang="en-US" dirty="0"/>
-              <a:t>Lab 3 ACR Login</a:t>
-            </a:r>
+              <a:t>ARC Server and DevOps URL for Lab 3</a:t>
+            </a:r>
+          </a:p>
+        </p:txBody>
+      </p:sp>
+      <p:sp>
+        <p:nvSpPr>
+          <p:cNvPr id="12" name="Left Brace 11">
+            <a:extLst>
+              <a:ext uri="{FF2B5EF4-FFF2-40B4-BE49-F238E27FC236}">
+                <a16:creationId xmlns:a16="http://schemas.microsoft.com/office/drawing/2014/main" id="{EA4997BA-D05C-406F-9E22-5C5CB51DCD59}"/>
+              </a:ext>
+            </a:extLst>
+          </p:cNvPr>
+          <p:cNvSpPr/>
+          <p:nvPr/>
+        </p:nvSpPr>
+        <p:spPr>
+          <a:xfrm>
+            <a:off x="5724144" y="5535381"/>
+            <a:ext cx="1625515" cy="472440"/>
+          </a:xfrm>
+          <a:prstGeom prst="leftBrace">
+            <a:avLst>
+              <a:gd name="adj1" fmla="val 8333"/>
+              <a:gd name="adj2" fmla="val 51291"/>
+            </a:avLst>
+          </a:prstGeom>
+        </p:spPr>
+        <p:style>
+          <a:lnRef idx="1">
+            <a:schemeClr val="accent1"/>
+          </a:lnRef>
+          <a:fillRef idx="0">
+            <a:schemeClr val="accent1"/>
+          </a:fillRef>
+          <a:effectRef idx="0">
+            <a:schemeClr val="accent1"/>
+          </a:effectRef>
+          <a:fontRef idx="minor">
+            <a:schemeClr val="tx1"/>
+          </a:fontRef>
+        </p:style>
+        <p:txBody>
+          <a:bodyPr rtlCol="0" anchor="ctr"/>
+          <a:lstStyle/>
+          <a:p>
+            <a:pPr algn="ctr"/>
+            <a:endParaRPr lang="en-US"/>
+          </a:p>
+        </p:txBody>
+      </p:sp>
+      <p:sp>
+        <p:nvSpPr>
+          <p:cNvPr id="13" name="TextBox 12">
+            <a:extLst>
+              <a:ext uri="{FF2B5EF4-FFF2-40B4-BE49-F238E27FC236}">
+                <a16:creationId xmlns:a16="http://schemas.microsoft.com/office/drawing/2014/main" id="{AED74395-73F1-472B-96F9-C94CED894C29}"/>
+              </a:ext>
+            </a:extLst>
+          </p:cNvPr>
+          <p:cNvSpPr txBox="1"/>
+          <p:nvPr/>
+        </p:nvSpPr>
+        <p:spPr>
+          <a:xfrm>
+            <a:off x="327455" y="1706886"/>
+            <a:ext cx="6184801" cy="830997"/>
+          </a:xfrm>
+          <a:prstGeom prst="rect">
+            <a:avLst/>
+          </a:prstGeom>
+          <a:noFill/>
+        </p:spPr>
+        <p:txBody>
+          <a:bodyPr wrap="square" rtlCol="0">
+            <a:spAutoFit/>
+          </a:bodyPr>
+          <a:lstStyle/>
+          <a:p>
+            <a:r>
+              <a:rPr lang="en-US" sz="2400" dirty="0">
+                <a:solidFill>
+                  <a:srgbClr val="FF0000"/>
+                </a:solidFill>
+              </a:rPr>
+              <a:t>* This information was also sent to your email</a:t>
+            </a:r>
+          </a:p>
+          <a:p>
+            <a:endParaRPr lang="en-US" sz="2400" dirty="0">
+              <a:solidFill>
+                <a:srgbClr val="FF0000"/>
+              </a:solidFill>
+            </a:endParaRPr>
           </a:p>
         </p:txBody>
       </p:sp>
     </p:spTree>
     <p:extLst>
       <p:ext uri="{BB962C8B-B14F-4D97-AF65-F5344CB8AC3E}">
-        <p14:creationId xmlns:p14="http://schemas.microsoft.com/office/powerpoint/2010/main" val="274338958"/>
+        <p14:creationId xmlns:p14="http://schemas.microsoft.com/office/powerpoint/2010/main" val="2557081273"/>
       </p:ext>
     </p:extLst>
   </p:cSld>

--- a/Presentations/AzureLabSetup.pptx
+++ b/Presentations/AzureLabSetup.pptx
@@ -409,7 +409,7 @@
           <a:p>
             <a:fld id="{9CC32A1C-68B6-4393-8E61-9D1E3F8399C3}" type="datetimeFigureOut">
               <a:rPr lang="en-US" smtClean="0"/>
-              <a:t>9/6/2019</a:t>
+              <a:t>9/9/2019</a:t>
             </a:fld>
             <a:endParaRPr lang="en-US"/>
           </a:p>
@@ -607,7 +607,7 @@
           <a:p>
             <a:fld id="{9CC32A1C-68B6-4393-8E61-9D1E3F8399C3}" type="datetimeFigureOut">
               <a:rPr lang="en-US" smtClean="0"/>
-              <a:t>9/6/2019</a:t>
+              <a:t>9/9/2019</a:t>
             </a:fld>
             <a:endParaRPr lang="en-US"/>
           </a:p>
@@ -815,7 +815,7 @@
           <a:p>
             <a:fld id="{9CC32A1C-68B6-4393-8E61-9D1E3F8399C3}" type="datetimeFigureOut">
               <a:rPr lang="en-US" smtClean="0"/>
-              <a:t>9/6/2019</a:t>
+              <a:t>9/9/2019</a:t>
             </a:fld>
             <a:endParaRPr lang="en-US"/>
           </a:p>
@@ -1013,7 +1013,7 @@
           <a:p>
             <a:fld id="{9CC32A1C-68B6-4393-8E61-9D1E3F8399C3}" type="datetimeFigureOut">
               <a:rPr lang="en-US" smtClean="0"/>
-              <a:t>9/6/2019</a:t>
+              <a:t>9/9/2019</a:t>
             </a:fld>
             <a:endParaRPr lang="en-US"/>
           </a:p>
@@ -1288,7 +1288,7 @@
           <a:p>
             <a:fld id="{9CC32A1C-68B6-4393-8E61-9D1E3F8399C3}" type="datetimeFigureOut">
               <a:rPr lang="en-US" smtClean="0"/>
-              <a:t>9/6/2019</a:t>
+              <a:t>9/9/2019</a:t>
             </a:fld>
             <a:endParaRPr lang="en-US"/>
           </a:p>
@@ -1553,7 +1553,7 @@
           <a:p>
             <a:fld id="{9CC32A1C-68B6-4393-8E61-9D1E3F8399C3}" type="datetimeFigureOut">
               <a:rPr lang="en-US" smtClean="0"/>
-              <a:t>9/6/2019</a:t>
+              <a:t>9/9/2019</a:t>
             </a:fld>
             <a:endParaRPr lang="en-US"/>
           </a:p>
@@ -1965,7 +1965,7 @@
           <a:p>
             <a:fld id="{9CC32A1C-68B6-4393-8E61-9D1E3F8399C3}" type="datetimeFigureOut">
               <a:rPr lang="en-US" smtClean="0"/>
-              <a:t>9/6/2019</a:t>
+              <a:t>9/9/2019</a:t>
             </a:fld>
             <a:endParaRPr lang="en-US"/>
           </a:p>
@@ -2106,7 +2106,7 @@
           <a:p>
             <a:fld id="{9CC32A1C-68B6-4393-8E61-9D1E3F8399C3}" type="datetimeFigureOut">
               <a:rPr lang="en-US" smtClean="0"/>
-              <a:t>9/6/2019</a:t>
+              <a:t>9/9/2019</a:t>
             </a:fld>
             <a:endParaRPr lang="en-US"/>
           </a:p>
@@ -2219,7 +2219,7 @@
           <a:p>
             <a:fld id="{9CC32A1C-68B6-4393-8E61-9D1E3F8399C3}" type="datetimeFigureOut">
               <a:rPr lang="en-US" smtClean="0"/>
-              <a:t>9/6/2019</a:t>
+              <a:t>9/9/2019</a:t>
             </a:fld>
             <a:endParaRPr lang="en-US"/>
           </a:p>
@@ -2530,7 +2530,7 @@
           <a:p>
             <a:fld id="{9CC32A1C-68B6-4393-8E61-9D1E3F8399C3}" type="datetimeFigureOut">
               <a:rPr lang="en-US" smtClean="0"/>
-              <a:t>9/6/2019</a:t>
+              <a:t>9/9/2019</a:t>
             </a:fld>
             <a:endParaRPr lang="en-US"/>
           </a:p>
@@ -2818,7 +2818,7 @@
           <a:p>
             <a:fld id="{9CC32A1C-68B6-4393-8E61-9D1E3F8399C3}" type="datetimeFigureOut">
               <a:rPr lang="en-US" smtClean="0"/>
-              <a:t>9/6/2019</a:t>
+              <a:t>9/9/2019</a:t>
             </a:fld>
             <a:endParaRPr lang="en-US"/>
           </a:p>
@@ -3059,7 +3059,7 @@
           <a:p>
             <a:fld id="{9CC32A1C-68B6-4393-8E61-9D1E3F8399C3}" type="datetimeFigureOut">
               <a:rPr lang="en-US" smtClean="0"/>
-              <a:t>9/6/2019</a:t>
+              <a:t>9/9/2019</a:t>
             </a:fld>
             <a:endParaRPr lang="en-US"/>
           </a:p>
@@ -3520,14 +3520,50 @@
                   </a:schemeClr>
                 </a:solidFill>
               </a:rPr>
-              <a:t>MSGUEST</a:t>
+              <a:t>MSFTGUEST</a:t>
             </a:r>
           </a:p>
           <a:p>
             <a:r>
               <a:rPr lang="en-US" sz="4000" dirty="0"/>
-              <a:t>Login Event ID (press blue button):  </a:t>
-            </a:r>
+              <a:t>Login Event ID (press blue button):  msevent298wg</a:t>
+            </a:r>
+          </a:p>
+          <a:p>
+            <a:r>
+              <a:rPr lang="en-US" sz="4000" dirty="0"/>
+              <a:t>Signup for your Azure Lab Subscription:</a:t>
+            </a:r>
+          </a:p>
+        </p:txBody>
+      </p:sp>
+      <p:sp>
+        <p:nvSpPr>
+          <p:cNvPr id="8" name="Rectangle 7">
+            <a:extLst>
+              <a:ext uri="{FF2B5EF4-FFF2-40B4-BE49-F238E27FC236}">
+                <a16:creationId xmlns:a16="http://schemas.microsoft.com/office/drawing/2014/main" id="{BE40331A-AD55-4BF3-A813-B66E6E55D88C}"/>
+              </a:ext>
+            </a:extLst>
+          </p:cNvPr>
+          <p:cNvSpPr/>
+          <p:nvPr/>
+        </p:nvSpPr>
+        <p:spPr>
+          <a:xfrm>
+            <a:off x="1513001" y="2512479"/>
+            <a:ext cx="8405883" cy="707886"/>
+          </a:xfrm>
+          <a:prstGeom prst="rect">
+            <a:avLst/>
+          </a:prstGeom>
+        </p:spPr>
+        <p:txBody>
+          <a:bodyPr wrap="square">
+            <a:spAutoFit/>
+          </a:bodyPr>
+          <a:lstStyle/>
+          <a:p>
             <a:r>
               <a:rPr lang="en-US" sz="4000" dirty="0">
                 <a:solidFill>
@@ -3535,55 +3571,23 @@
                     <a:lumMod val="75000"/>
                   </a:schemeClr>
                 </a:solidFill>
+                <a:hlinkClick r:id="rId2">
+                  <a:extLst>
+                    <a:ext uri="{A12FA001-AC4F-418D-AE19-62706E023703}">
+                      <ahyp:hlinkClr xmlns:ahyp="http://schemas.microsoft.com/office/drawing/2018/hyperlinkcolor" val="tx"/>
+                    </a:ext>
+                  </a:extLst>
+                </a:hlinkClick>
               </a:rPr>
-              <a:t>&lt;event ID for MTC&gt;</a:t>
-            </a:r>
-          </a:p>
-          <a:p>
-            <a:r>
-              <a:rPr lang="en-US" sz="4000" dirty="0"/>
-              <a:t>Signup for your Azure Lab Subscription:</a:t>
-            </a:r>
-          </a:p>
-        </p:txBody>
-      </p:sp>
-      <p:sp>
-        <p:nvSpPr>
-          <p:cNvPr id="8" name="Rectangle 7">
-            <a:extLst>
-              <a:ext uri="{FF2B5EF4-FFF2-40B4-BE49-F238E27FC236}">
-                <a16:creationId xmlns:a16="http://schemas.microsoft.com/office/drawing/2014/main" id="{BE40331A-AD55-4BF3-A813-B66E6E55D88C}"/>
-              </a:ext>
-            </a:extLst>
-          </p:cNvPr>
-          <p:cNvSpPr/>
-          <p:nvPr/>
-        </p:nvSpPr>
-        <p:spPr>
-          <a:xfrm>
-            <a:off x="1453487" y="2531660"/>
-            <a:ext cx="8405883" cy="1107996"/>
-          </a:xfrm>
-          <a:prstGeom prst="rect">
-            <a:avLst/>
-          </a:prstGeom>
-        </p:spPr>
-        <p:txBody>
-          <a:bodyPr wrap="square">
-            <a:spAutoFit/>
-          </a:bodyPr>
-          <a:lstStyle/>
-          <a:p>
-            <a:r>
-              <a:rPr lang="en-US" sz="6600" dirty="0">
-                <a:hlinkClick r:id="rId2"/>
-              </a:rPr>
-              <a:t>http://bit.ly/&lt;lab</a:t>
-            </a:r>
-            <a:r>
-              <a:rPr lang="en-US" sz="6600" dirty="0"/>
-              <a:t> code&gt;</a:t>
-            </a:r>
+              <a:t>http://bit.ly/34jUzSW</a:t>
+            </a:r>
+            <a:endParaRPr lang="en-US" sz="4000" dirty="0">
+              <a:solidFill>
+                <a:schemeClr val="accent5">
+                  <a:lumMod val="75000"/>
+                </a:schemeClr>
+              </a:solidFill>
+            </a:endParaRPr>
           </a:p>
         </p:txBody>
       </p:sp>
@@ -3640,8 +3644,8 @@
         </p:nvSpPr>
         <p:spPr>
           <a:xfrm>
-            <a:off x="1313279" y="4861158"/>
-            <a:ext cx="8354723" cy="707886"/>
+            <a:off x="1577229" y="4861158"/>
+            <a:ext cx="6730625" cy="707886"/>
           </a:xfrm>
           <a:prstGeom prst="rect">
             <a:avLst/>
@@ -3662,7 +3666,7 @@
                   </a:schemeClr>
                 </a:solidFill>
               </a:rPr>
-              <a:t>Activation Code: &lt;Lab Activation Code&gt;</a:t>
+              <a:t>Activation Code: ACTIVATE4084</a:t>
             </a:r>
           </a:p>
         </p:txBody>
@@ -3824,31 +3828,6 @@
           <a:chExt cx="0" cy="0"/>
         </a:xfrm>
       </p:grpSpPr>
-      <p:sp>
-        <p:nvSpPr>
-          <p:cNvPr id="2" name="Title 1">
-            <a:extLst>
-              <a:ext uri="{FF2B5EF4-FFF2-40B4-BE49-F238E27FC236}">
-                <a16:creationId xmlns:a16="http://schemas.microsoft.com/office/drawing/2014/main" id="{1EC4A6E0-C87E-4225-A23F-F43E58E5D8B3}"/>
-              </a:ext>
-            </a:extLst>
-          </p:cNvPr>
-          <p:cNvSpPr>
-            <a:spLocks noGrp="1"/>
-          </p:cNvSpPr>
-          <p:nvPr>
-            <p:ph type="title"/>
-          </p:nvPr>
-        </p:nvSpPr>
-        <p:spPr/>
-        <p:txBody>
-          <a:bodyPr/>
-          <a:lstStyle/>
-          <a:p>
-            <a:endParaRPr lang="en-US"/>
-          </a:p>
-        </p:txBody>
-      </p:sp>
       <p:pic>
         <p:nvPicPr>
           <p:cNvPr id="3" name="Picture 2">

--- a/Presentations/AzureLabSetup.pptx
+++ b/Presentations/AzureLabSetup.pptx
@@ -3500,7 +3500,7 @@
         </p:spPr>
         <p:txBody>
           <a:bodyPr>
-            <a:normAutofit/>
+            <a:normAutofit fontScale="92500" lnSpcReduction="20000"/>
           </a:bodyPr>
           <a:lstStyle/>
           <a:p>
@@ -3528,6 +3528,19 @@
               <a:rPr lang="en-US" sz="4000" dirty="0"/>
               <a:t>Login Event ID (press blue button):  msevent298wg</a:t>
             </a:r>
+          </a:p>
+          <a:p>
+            <a:r>
+              <a:rPr lang="en-US" sz="4000"/>
+              <a:t>Lab Repo:  </a:t>
+            </a:r>
+            <a:r>
+              <a:rPr lang="en-US">
+                <a:hlinkClick r:id="rId2" tooltip="https://github.com/davew-msft/2019azuremigrateyourapps/invitations"/>
+              </a:rPr>
+              <a:t>https://github.com/davew-msft/2019AzureMigrateYourApps</a:t>
+            </a:r>
+            <a:endParaRPr lang="en-US" sz="4000" dirty="0"/>
           </a:p>
           <a:p>
             <a:r>
@@ -3571,7 +3584,7 @@
                     <a:lumMod val="75000"/>
                   </a:schemeClr>
                 </a:solidFill>
-                <a:hlinkClick r:id="rId2">
+                <a:hlinkClick r:id="rId3">
                   <a:extLst>
                     <a:ext uri="{A12FA001-AC4F-418D-AE19-62706E023703}">
                       <ahyp:hlinkClr xmlns:ahyp="http://schemas.microsoft.com/office/drawing/2018/hyperlinkcolor" val="tx"/>

--- a/Presentations/AzureLabSetup.pptx
+++ b/Presentations/AzureLabSetup.pptx
@@ -6,9 +6,10 @@
   </p:sldMasterIdLst>
   <p:sldIdLst>
     <p:sldId id="259" r:id="rId2"/>
-    <p:sldId id="258" r:id="rId3"/>
-    <p:sldId id="260" r:id="rId4"/>
-    <p:sldId id="261" r:id="rId5"/>
+    <p:sldId id="262" r:id="rId3"/>
+    <p:sldId id="258" r:id="rId4"/>
+    <p:sldId id="260" r:id="rId5"/>
+    <p:sldId id="261" r:id="rId6"/>
   </p:sldIdLst>
   <p:sldSz cx="12192000" cy="6858000"/>
   <p:notesSz cx="6858000" cy="9144000"/>
@@ -409,7 +410,7 @@
           <a:p>
             <a:fld id="{9CC32A1C-68B6-4393-8E61-9D1E3F8399C3}" type="datetimeFigureOut">
               <a:rPr lang="en-US" smtClean="0"/>
-              <a:t>9/9/2019</a:t>
+              <a:t>10/28/2019</a:t>
             </a:fld>
             <a:endParaRPr lang="en-US"/>
           </a:p>
@@ -607,7 +608,7 @@
           <a:p>
             <a:fld id="{9CC32A1C-68B6-4393-8E61-9D1E3F8399C3}" type="datetimeFigureOut">
               <a:rPr lang="en-US" smtClean="0"/>
-              <a:t>9/9/2019</a:t>
+              <a:t>10/28/2019</a:t>
             </a:fld>
             <a:endParaRPr lang="en-US"/>
           </a:p>
@@ -815,7 +816,7 @@
           <a:p>
             <a:fld id="{9CC32A1C-68B6-4393-8E61-9D1E3F8399C3}" type="datetimeFigureOut">
               <a:rPr lang="en-US" smtClean="0"/>
-              <a:t>9/9/2019</a:t>
+              <a:t>10/28/2019</a:t>
             </a:fld>
             <a:endParaRPr lang="en-US"/>
           </a:p>
@@ -1013,7 +1014,7 @@
           <a:p>
             <a:fld id="{9CC32A1C-68B6-4393-8E61-9D1E3F8399C3}" type="datetimeFigureOut">
               <a:rPr lang="en-US" smtClean="0"/>
-              <a:t>9/9/2019</a:t>
+              <a:t>10/28/2019</a:t>
             </a:fld>
             <a:endParaRPr lang="en-US"/>
           </a:p>
@@ -1288,7 +1289,7 @@
           <a:p>
             <a:fld id="{9CC32A1C-68B6-4393-8E61-9D1E3F8399C3}" type="datetimeFigureOut">
               <a:rPr lang="en-US" smtClean="0"/>
-              <a:t>9/9/2019</a:t>
+              <a:t>10/28/2019</a:t>
             </a:fld>
             <a:endParaRPr lang="en-US"/>
           </a:p>
@@ -1553,7 +1554,7 @@
           <a:p>
             <a:fld id="{9CC32A1C-68B6-4393-8E61-9D1E3F8399C3}" type="datetimeFigureOut">
               <a:rPr lang="en-US" smtClean="0"/>
-              <a:t>9/9/2019</a:t>
+              <a:t>10/28/2019</a:t>
             </a:fld>
             <a:endParaRPr lang="en-US"/>
           </a:p>
@@ -1965,7 +1966,7 @@
           <a:p>
             <a:fld id="{9CC32A1C-68B6-4393-8E61-9D1E3F8399C3}" type="datetimeFigureOut">
               <a:rPr lang="en-US" smtClean="0"/>
-              <a:t>9/9/2019</a:t>
+              <a:t>10/28/2019</a:t>
             </a:fld>
             <a:endParaRPr lang="en-US"/>
           </a:p>
@@ -2106,7 +2107,7 @@
           <a:p>
             <a:fld id="{9CC32A1C-68B6-4393-8E61-9D1E3F8399C3}" type="datetimeFigureOut">
               <a:rPr lang="en-US" smtClean="0"/>
-              <a:t>9/9/2019</a:t>
+              <a:t>10/28/2019</a:t>
             </a:fld>
             <a:endParaRPr lang="en-US"/>
           </a:p>
@@ -2219,7 +2220,7 @@
           <a:p>
             <a:fld id="{9CC32A1C-68B6-4393-8E61-9D1E3F8399C3}" type="datetimeFigureOut">
               <a:rPr lang="en-US" smtClean="0"/>
-              <a:t>9/9/2019</a:t>
+              <a:t>10/28/2019</a:t>
             </a:fld>
             <a:endParaRPr lang="en-US"/>
           </a:p>
@@ -2530,7 +2531,7 @@
           <a:p>
             <a:fld id="{9CC32A1C-68B6-4393-8E61-9D1E3F8399C3}" type="datetimeFigureOut">
               <a:rPr lang="en-US" smtClean="0"/>
-              <a:t>9/9/2019</a:t>
+              <a:t>10/28/2019</a:t>
             </a:fld>
             <a:endParaRPr lang="en-US"/>
           </a:p>
@@ -2818,7 +2819,7 @@
           <a:p>
             <a:fld id="{9CC32A1C-68B6-4393-8E61-9D1E3F8399C3}" type="datetimeFigureOut">
               <a:rPr lang="en-US" smtClean="0"/>
-              <a:t>9/9/2019</a:t>
+              <a:t>10/28/2019</a:t>
             </a:fld>
             <a:endParaRPr lang="en-US"/>
           </a:p>
@@ -3059,7 +3060,7 @@
           <a:p>
             <a:fld id="{9CC32A1C-68B6-4393-8E61-9D1E3F8399C3}" type="datetimeFigureOut">
               <a:rPr lang="en-US" smtClean="0"/>
-              <a:t>9/9/2019</a:t>
+              <a:t>10/28/2019</a:t>
             </a:fld>
             <a:endParaRPr lang="en-US"/>
           </a:p>
@@ -3495,192 +3496,92 @@
         <p:spPr>
           <a:xfrm>
             <a:off x="272955" y="378963"/>
-            <a:ext cx="11791666" cy="2152697"/>
+            <a:ext cx="11791666" cy="5880435"/>
           </a:xfrm>
         </p:spPr>
         <p:txBody>
           <a:bodyPr>
-            <a:normAutofit fontScale="92500" lnSpcReduction="20000"/>
+            <a:normAutofit/>
           </a:bodyPr>
           <a:lstStyle/>
           <a:p>
+            <a:pPr marL="0" indent="0">
+              <a:buNone/>
+            </a:pPr>
+            <a:r>
+              <a:rPr lang="en-US" sz="4000" dirty="0"/>
+              <a:t>Rich Ross</a:t>
+            </a:r>
+          </a:p>
+          <a:p>
+            <a:pPr marL="0" indent="0">
+              <a:buNone/>
+            </a:pPr>
+            <a:endParaRPr lang="en-US" sz="4000" dirty="0"/>
+          </a:p>
+          <a:p>
+            <a:pPr marL="0" indent="0">
+              <a:buNone/>
+            </a:pPr>
+            <a:r>
+              <a:rPr lang="en-US" sz="4000" dirty="0"/>
+              <a:t>Dave Wentzel</a:t>
+            </a:r>
+          </a:p>
+          <a:p>
+            <a:pPr marL="0" indent="0">
+              <a:buNone/>
+            </a:pPr>
+            <a:r>
+              <a:rPr lang="en-US" sz="4000" dirty="0"/>
+              <a:t>	Technical Evangelist – </a:t>
+            </a:r>
             <a:r>
               <a:rPr lang="en-US" sz="4000" dirty="0" err="1"/>
-              <a:t>WiFi</a:t>
-            </a:r>
+              <a:t>Data&amp;AI</a:t>
+            </a:r>
+            <a:endParaRPr lang="en-US" sz="4000" dirty="0"/>
+          </a:p>
+          <a:p>
+            <a:pPr marL="0" indent="0">
+              <a:buNone/>
+            </a:pPr>
             <a:r>
               <a:rPr lang="en-US" sz="4000" dirty="0"/>
-              <a:t> SSID:  </a:t>
-            </a:r>
+              <a:t>	linkedin.com/in/</a:t>
+            </a:r>
+            <a:r>
+              <a:rPr lang="en-US" sz="4000" dirty="0" err="1"/>
+              <a:t>dwentzel</a:t>
+            </a:r>
+            <a:endParaRPr lang="en-US" sz="4000" dirty="0"/>
+          </a:p>
+          <a:p>
+            <a:pPr marL="0" indent="0">
+              <a:buNone/>
+            </a:pPr>
+            <a:r>
+              <a:rPr lang="en-US" sz="4000" dirty="0"/>
+              <a:t> </a:t>
+            </a:r>
+          </a:p>
+          <a:p>
+            <a:pPr marL="0" indent="0">
+              <a:buNone/>
+            </a:pPr>
             <a:r>
               <a:rPr lang="en-US" sz="4000" dirty="0">
-                <a:solidFill>
-                  <a:schemeClr val="accent5">
-                    <a:lumMod val="75000"/>
-                  </a:schemeClr>
-                </a:solidFill>
-              </a:rPr>
-              <a:t>MSFTGUEST</a:t>
-            </a:r>
-          </a:p>
-          <a:p>
-            <a:r>
-              <a:rPr lang="en-US" sz="4000" dirty="0"/>
-              <a:t>Login Event ID (press blue button):  msevent298wg</a:t>
-            </a:r>
-          </a:p>
-          <a:p>
-            <a:r>
-              <a:rPr lang="en-US" sz="4000"/>
-              <a:t>Lab Repo:  </a:t>
-            </a:r>
-            <a:r>
-              <a:rPr lang="en-US">
                 <a:hlinkClick r:id="rId2" tooltip="https://github.com/davew-msft/2019azuremigrateyourapps/invitations"/>
               </a:rPr>
               <a:t>https://github.com/davew-msft/2019AzureMigrateYourApps</a:t>
             </a:r>
+            <a:endParaRPr lang="en-US" sz="5400" dirty="0"/>
+          </a:p>
+          <a:p>
+            <a:pPr marL="0" indent="0">
+              <a:buNone/>
+            </a:pPr>
             <a:endParaRPr lang="en-US" sz="4000" dirty="0"/>
-          </a:p>
-          <a:p>
-            <a:r>
-              <a:rPr lang="en-US" sz="4000" dirty="0"/>
-              <a:t>Signup for your Azure Lab Subscription:</a:t>
-            </a:r>
-          </a:p>
-        </p:txBody>
-      </p:sp>
-      <p:sp>
-        <p:nvSpPr>
-          <p:cNvPr id="8" name="Rectangle 7">
-            <a:extLst>
-              <a:ext uri="{FF2B5EF4-FFF2-40B4-BE49-F238E27FC236}">
-                <a16:creationId xmlns:a16="http://schemas.microsoft.com/office/drawing/2014/main" id="{BE40331A-AD55-4BF3-A813-B66E6E55D88C}"/>
-              </a:ext>
-            </a:extLst>
-          </p:cNvPr>
-          <p:cNvSpPr/>
-          <p:nvPr/>
-        </p:nvSpPr>
-        <p:spPr>
-          <a:xfrm>
-            <a:off x="1513001" y="2512479"/>
-            <a:ext cx="8405883" cy="707886"/>
-          </a:xfrm>
-          <a:prstGeom prst="rect">
-            <a:avLst/>
-          </a:prstGeom>
-        </p:spPr>
-        <p:txBody>
-          <a:bodyPr wrap="square">
-            <a:spAutoFit/>
-          </a:bodyPr>
-          <a:lstStyle/>
-          <a:p>
-            <a:r>
-              <a:rPr lang="en-US" sz="4000" dirty="0">
-                <a:solidFill>
-                  <a:schemeClr val="accent5">
-                    <a:lumMod val="75000"/>
-                  </a:schemeClr>
-                </a:solidFill>
-                <a:hlinkClick r:id="rId3">
-                  <a:extLst>
-                    <a:ext uri="{A12FA001-AC4F-418D-AE19-62706E023703}">
-                      <ahyp:hlinkClr xmlns:ahyp="http://schemas.microsoft.com/office/drawing/2018/hyperlinkcolor" val="tx"/>
-                    </a:ext>
-                  </a:extLst>
-                </a:hlinkClick>
-              </a:rPr>
-              <a:t>http://bit.ly/34jUzSW</a:t>
-            </a:r>
-            <a:endParaRPr lang="en-US" sz="4000" dirty="0">
-              <a:solidFill>
-                <a:schemeClr val="accent5">
-                  <a:lumMod val="75000"/>
-                </a:schemeClr>
-              </a:solidFill>
-            </a:endParaRPr>
-          </a:p>
-        </p:txBody>
-      </p:sp>
-      <p:sp>
-        <p:nvSpPr>
-          <p:cNvPr id="9" name="TextBox 8">
-            <a:extLst>
-              <a:ext uri="{FF2B5EF4-FFF2-40B4-BE49-F238E27FC236}">
-                <a16:creationId xmlns:a16="http://schemas.microsoft.com/office/drawing/2014/main" id="{18ED8246-E9D6-461B-B5AF-B531ABE7F627}"/>
-              </a:ext>
-            </a:extLst>
-          </p:cNvPr>
-          <p:cNvSpPr txBox="1"/>
-          <p:nvPr/>
-        </p:nvSpPr>
-        <p:spPr>
-          <a:xfrm>
-            <a:off x="1453487" y="3680010"/>
-            <a:ext cx="8639032" cy="830997"/>
-          </a:xfrm>
-          <a:prstGeom prst="rect">
-            <a:avLst/>
-          </a:prstGeom>
-          <a:noFill/>
-        </p:spPr>
-        <p:txBody>
-          <a:bodyPr wrap="square" rtlCol="0">
-            <a:spAutoFit/>
-          </a:bodyPr>
-          <a:lstStyle/>
-          <a:p>
-            <a:r>
-              <a:rPr lang="en-US" sz="2400" dirty="0">
-                <a:solidFill>
-                  <a:srgbClr val="FF0000"/>
-                </a:solidFill>
-              </a:rPr>
-              <a:t>* Sign up with an email you can access!  Don’t for get that your company VPN may block access so use a personal email if needed.</a:t>
-            </a:r>
-          </a:p>
-        </p:txBody>
-      </p:sp>
-      <p:sp>
-        <p:nvSpPr>
-          <p:cNvPr id="10" name="TextBox 9">
-            <a:extLst>
-              <a:ext uri="{FF2B5EF4-FFF2-40B4-BE49-F238E27FC236}">
-                <a16:creationId xmlns:a16="http://schemas.microsoft.com/office/drawing/2014/main" id="{82DE41AB-07BE-4770-8F83-CB2C9A463FE6}"/>
-              </a:ext>
-            </a:extLst>
-          </p:cNvPr>
-          <p:cNvSpPr txBox="1"/>
-          <p:nvPr/>
-        </p:nvSpPr>
-        <p:spPr>
-          <a:xfrm>
-            <a:off x="1577229" y="4861158"/>
-            <a:ext cx="6730625" cy="707886"/>
-          </a:xfrm>
-          <a:prstGeom prst="rect">
-            <a:avLst/>
-          </a:prstGeom>
-          <a:noFill/>
-        </p:spPr>
-        <p:txBody>
-          <a:bodyPr wrap="none" rtlCol="0">
-            <a:spAutoFit/>
-          </a:bodyPr>
-          <a:lstStyle/>
-          <a:p>
-            <a:r>
-              <a:rPr lang="en-US" sz="4000" dirty="0">
-                <a:solidFill>
-                  <a:schemeClr val="accent5">
-                    <a:lumMod val="75000"/>
-                  </a:schemeClr>
-                </a:solidFill>
-              </a:rPr>
-              <a:t>Activation Code: ACTIVATE4084</a:t>
-            </a:r>
           </a:p>
         </p:txBody>
       </p:sp>
@@ -3716,6 +3617,244 @@
       </p:grpSpPr>
       <p:sp>
         <p:nvSpPr>
+          <p:cNvPr id="5" name="Content Placeholder 4">
+            <a:extLst>
+              <a:ext uri="{FF2B5EF4-FFF2-40B4-BE49-F238E27FC236}">
+                <a16:creationId xmlns:a16="http://schemas.microsoft.com/office/drawing/2014/main" id="{7C9AE2D7-4EFD-4DA8-9494-BD0A63DF2AE6}"/>
+              </a:ext>
+            </a:extLst>
+          </p:cNvPr>
+          <p:cNvSpPr>
+            <a:spLocks noGrp="1"/>
+          </p:cNvSpPr>
+          <p:nvPr>
+            <p:ph idx="1"/>
+          </p:nvPr>
+        </p:nvSpPr>
+        <p:spPr>
+          <a:xfrm>
+            <a:off x="272955" y="378963"/>
+            <a:ext cx="11791666" cy="2152697"/>
+          </a:xfrm>
+        </p:spPr>
+        <p:txBody>
+          <a:bodyPr>
+            <a:normAutofit fontScale="92500" lnSpcReduction="20000"/>
+          </a:bodyPr>
+          <a:lstStyle/>
+          <a:p>
+            <a:r>
+              <a:rPr lang="en-US" sz="4000" dirty="0" err="1"/>
+              <a:t>WiFi</a:t>
+            </a:r>
+            <a:r>
+              <a:rPr lang="en-US" sz="4000" dirty="0"/>
+              <a:t> SSID:  </a:t>
+            </a:r>
+            <a:r>
+              <a:rPr lang="en-US" sz="4000" dirty="0">
+                <a:solidFill>
+                  <a:schemeClr val="accent5">
+                    <a:lumMod val="75000"/>
+                  </a:schemeClr>
+                </a:solidFill>
+              </a:rPr>
+              <a:t>MSFTGUEST</a:t>
+            </a:r>
+          </a:p>
+          <a:p>
+            <a:r>
+              <a:rPr lang="en-US" sz="4000" dirty="0"/>
+              <a:t>Login Event ID (press blue button):  msevent298wg</a:t>
+            </a:r>
+          </a:p>
+          <a:p>
+            <a:r>
+              <a:rPr lang="en-US" sz="4000" dirty="0"/>
+              <a:t>Lab Repo:  </a:t>
+            </a:r>
+            <a:r>
+              <a:rPr lang="en-US" dirty="0">
+                <a:hlinkClick r:id="rId2" tooltip="https://github.com/davew-msft/2019azuremigrateyourapps/invitations"/>
+              </a:rPr>
+              <a:t>https://github.com/davew-msft/2019AzureMigrateYourApps</a:t>
+            </a:r>
+            <a:endParaRPr lang="en-US" sz="4000" dirty="0"/>
+          </a:p>
+          <a:p>
+            <a:r>
+              <a:rPr lang="en-US" sz="4000" dirty="0"/>
+              <a:t>Signup for your Azure Lab Subscription:</a:t>
+            </a:r>
+          </a:p>
+        </p:txBody>
+      </p:sp>
+      <p:sp>
+        <p:nvSpPr>
+          <p:cNvPr id="8" name="Rectangle 7">
+            <a:extLst>
+              <a:ext uri="{FF2B5EF4-FFF2-40B4-BE49-F238E27FC236}">
+                <a16:creationId xmlns:a16="http://schemas.microsoft.com/office/drawing/2014/main" id="{BE40331A-AD55-4BF3-A813-B66E6E55D88C}"/>
+              </a:ext>
+            </a:extLst>
+          </p:cNvPr>
+          <p:cNvSpPr/>
+          <p:nvPr/>
+        </p:nvSpPr>
+        <p:spPr>
+          <a:xfrm>
+            <a:off x="1513001" y="2512479"/>
+            <a:ext cx="8405883" cy="707886"/>
+          </a:xfrm>
+          <a:prstGeom prst="rect">
+            <a:avLst/>
+          </a:prstGeom>
+        </p:spPr>
+        <p:txBody>
+          <a:bodyPr wrap="square">
+            <a:spAutoFit/>
+          </a:bodyPr>
+          <a:lstStyle/>
+          <a:p>
+            <a:r>
+              <a:rPr lang="en-US" sz="4000" dirty="0">
+                <a:solidFill>
+                  <a:schemeClr val="accent5">
+                    <a:lumMod val="75000"/>
+                  </a:schemeClr>
+                </a:solidFill>
+                <a:hlinkClick r:id="rId3">
+                  <a:extLst>
+                    <a:ext uri="{A12FA001-AC4F-418D-AE19-62706E023703}">
+                      <ahyp:hlinkClr xmlns:ahyp="http://schemas.microsoft.com/office/drawing/2018/hyperlinkcolor" val="tx"/>
+                    </a:ext>
+                  </a:extLst>
+                </a:hlinkClick>
+              </a:rPr>
+              <a:t>http://bit.ly/34jUzSW</a:t>
+            </a:r>
+            <a:endParaRPr lang="en-US" sz="4000" dirty="0">
+              <a:solidFill>
+                <a:schemeClr val="accent5">
+                  <a:lumMod val="75000"/>
+                </a:schemeClr>
+              </a:solidFill>
+            </a:endParaRPr>
+          </a:p>
+        </p:txBody>
+      </p:sp>
+      <p:sp>
+        <p:nvSpPr>
+          <p:cNvPr id="9" name="TextBox 8">
+            <a:extLst>
+              <a:ext uri="{FF2B5EF4-FFF2-40B4-BE49-F238E27FC236}">
+                <a16:creationId xmlns:a16="http://schemas.microsoft.com/office/drawing/2014/main" id="{18ED8246-E9D6-461B-B5AF-B531ABE7F627}"/>
+              </a:ext>
+            </a:extLst>
+          </p:cNvPr>
+          <p:cNvSpPr txBox="1"/>
+          <p:nvPr/>
+        </p:nvSpPr>
+        <p:spPr>
+          <a:xfrm>
+            <a:off x="1453487" y="3680010"/>
+            <a:ext cx="8639032" cy="830997"/>
+          </a:xfrm>
+          <a:prstGeom prst="rect">
+            <a:avLst/>
+          </a:prstGeom>
+          <a:noFill/>
+        </p:spPr>
+        <p:txBody>
+          <a:bodyPr wrap="square" rtlCol="0">
+            <a:spAutoFit/>
+          </a:bodyPr>
+          <a:lstStyle/>
+          <a:p>
+            <a:r>
+              <a:rPr lang="en-US" sz="2400" dirty="0">
+                <a:solidFill>
+                  <a:srgbClr val="FF0000"/>
+                </a:solidFill>
+              </a:rPr>
+              <a:t>* Sign up with an email you can access!  Don’t for get that your company VPN may block access so use a personal email if needed.</a:t>
+            </a:r>
+          </a:p>
+        </p:txBody>
+      </p:sp>
+      <p:sp>
+        <p:nvSpPr>
+          <p:cNvPr id="10" name="TextBox 9">
+            <a:extLst>
+              <a:ext uri="{FF2B5EF4-FFF2-40B4-BE49-F238E27FC236}">
+                <a16:creationId xmlns:a16="http://schemas.microsoft.com/office/drawing/2014/main" id="{82DE41AB-07BE-4770-8F83-CB2C9A463FE6}"/>
+              </a:ext>
+            </a:extLst>
+          </p:cNvPr>
+          <p:cNvSpPr txBox="1"/>
+          <p:nvPr/>
+        </p:nvSpPr>
+        <p:spPr>
+          <a:xfrm>
+            <a:off x="1577229" y="4861158"/>
+            <a:ext cx="6730625" cy="707886"/>
+          </a:xfrm>
+          <a:prstGeom prst="rect">
+            <a:avLst/>
+          </a:prstGeom>
+          <a:noFill/>
+        </p:spPr>
+        <p:txBody>
+          <a:bodyPr wrap="none" rtlCol="0">
+            <a:spAutoFit/>
+          </a:bodyPr>
+          <a:lstStyle/>
+          <a:p>
+            <a:r>
+              <a:rPr lang="en-US" sz="4000" dirty="0">
+                <a:solidFill>
+                  <a:schemeClr val="accent5">
+                    <a:lumMod val="75000"/>
+                  </a:schemeClr>
+                </a:solidFill>
+              </a:rPr>
+              <a:t>Activation Code: ACTIVATE4084</a:t>
+            </a:r>
+          </a:p>
+        </p:txBody>
+      </p:sp>
+    </p:spTree>
+    <p:extLst>
+      <p:ext uri="{BB962C8B-B14F-4D97-AF65-F5344CB8AC3E}">
+        <p14:creationId xmlns:p14="http://schemas.microsoft.com/office/powerpoint/2010/main" val="3303718568"/>
+      </p:ext>
+    </p:extLst>
+  </p:cSld>
+  <p:clrMapOvr>
+    <a:masterClrMapping/>
+  </p:clrMapOvr>
+</p:sld>
+</file>
+
+<file path=ppt/slides/slide3.xml><?xml version="1.0" encoding="utf-8"?>
+<p:sld xmlns:a="http://schemas.openxmlformats.org/drawingml/2006/main" xmlns:r="http://schemas.openxmlformats.org/officeDocument/2006/relationships" xmlns:p="http://schemas.openxmlformats.org/presentationml/2006/main">
+  <p:cSld>
+    <p:spTree>
+      <p:nvGrpSpPr>
+        <p:cNvPr id="1" name=""/>
+        <p:cNvGrpSpPr/>
+        <p:nvPr/>
+      </p:nvGrpSpPr>
+      <p:grpSpPr>
+        <a:xfrm>
+          <a:off x="0" y="0"/>
+          <a:ext cx="0" cy="0"/>
+          <a:chOff x="0" y="0"/>
+          <a:chExt cx="0" cy="0"/>
+        </a:xfrm>
+      </p:grpSpPr>
+      <p:sp>
+        <p:nvSpPr>
           <p:cNvPr id="4" name="Title 3">
             <a:extLst>
               <a:ext uri="{FF2B5EF4-FFF2-40B4-BE49-F238E27FC236}">
@@ -3824,7 +3963,7 @@
 </p:sld>
 </file>
 
-<file path=ppt/slides/slide3.xml><?xml version="1.0" encoding="utf-8"?>
+<file path=ppt/slides/slide4.xml><?xml version="1.0" encoding="utf-8"?>
 <p:sld xmlns:a="http://schemas.openxmlformats.org/drawingml/2006/main" xmlns:r="http://schemas.openxmlformats.org/officeDocument/2006/relationships" xmlns:p="http://schemas.openxmlformats.org/presentationml/2006/main">
   <p:cSld>
     <p:spTree>
@@ -3884,7 +4023,7 @@
 </p:sld>
 </file>
 
-<file path=ppt/slides/slide4.xml><?xml version="1.0" encoding="utf-8"?>
+<file path=ppt/slides/slide5.xml><?xml version="1.0" encoding="utf-8"?>
 <p:sld xmlns:a="http://schemas.openxmlformats.org/drawingml/2006/main" xmlns:r="http://schemas.openxmlformats.org/officeDocument/2006/relationships" xmlns:p="http://schemas.openxmlformats.org/presentationml/2006/main">
   <p:cSld>
     <p:spTree>

--- a/Presentations/AzureLabSetup.pptx
+++ b/Presentations/AzureLabSetup.pptx
@@ -410,7 +410,7 @@
           <a:p>
             <a:fld id="{9CC32A1C-68B6-4393-8E61-9D1E3F8399C3}" type="datetimeFigureOut">
               <a:rPr lang="en-US" smtClean="0"/>
-              <a:t>10/28/2019</a:t>
+              <a:t>11/4/2019</a:t>
             </a:fld>
             <a:endParaRPr lang="en-US"/>
           </a:p>
@@ -608,7 +608,7 @@
           <a:p>
             <a:fld id="{9CC32A1C-68B6-4393-8E61-9D1E3F8399C3}" type="datetimeFigureOut">
               <a:rPr lang="en-US" smtClean="0"/>
-              <a:t>10/28/2019</a:t>
+              <a:t>11/4/2019</a:t>
             </a:fld>
             <a:endParaRPr lang="en-US"/>
           </a:p>
@@ -816,7 +816,7 @@
           <a:p>
             <a:fld id="{9CC32A1C-68B6-4393-8E61-9D1E3F8399C3}" type="datetimeFigureOut">
               <a:rPr lang="en-US" smtClean="0"/>
-              <a:t>10/28/2019</a:t>
+              <a:t>11/4/2019</a:t>
             </a:fld>
             <a:endParaRPr lang="en-US"/>
           </a:p>
@@ -1014,7 +1014,7 @@
           <a:p>
             <a:fld id="{9CC32A1C-68B6-4393-8E61-9D1E3F8399C3}" type="datetimeFigureOut">
               <a:rPr lang="en-US" smtClean="0"/>
-              <a:t>10/28/2019</a:t>
+              <a:t>11/4/2019</a:t>
             </a:fld>
             <a:endParaRPr lang="en-US"/>
           </a:p>
@@ -1289,7 +1289,7 @@
           <a:p>
             <a:fld id="{9CC32A1C-68B6-4393-8E61-9D1E3F8399C3}" type="datetimeFigureOut">
               <a:rPr lang="en-US" smtClean="0"/>
-              <a:t>10/28/2019</a:t>
+              <a:t>11/4/2019</a:t>
             </a:fld>
             <a:endParaRPr lang="en-US"/>
           </a:p>
@@ -1554,7 +1554,7 @@
           <a:p>
             <a:fld id="{9CC32A1C-68B6-4393-8E61-9D1E3F8399C3}" type="datetimeFigureOut">
               <a:rPr lang="en-US" smtClean="0"/>
-              <a:t>10/28/2019</a:t>
+              <a:t>11/4/2019</a:t>
             </a:fld>
             <a:endParaRPr lang="en-US"/>
           </a:p>
@@ -1966,7 +1966,7 @@
           <a:p>
             <a:fld id="{9CC32A1C-68B6-4393-8E61-9D1E3F8399C3}" type="datetimeFigureOut">
               <a:rPr lang="en-US" smtClean="0"/>
-              <a:t>10/28/2019</a:t>
+              <a:t>11/4/2019</a:t>
             </a:fld>
             <a:endParaRPr lang="en-US"/>
           </a:p>
@@ -2107,7 +2107,7 @@
           <a:p>
             <a:fld id="{9CC32A1C-68B6-4393-8E61-9D1E3F8399C3}" type="datetimeFigureOut">
               <a:rPr lang="en-US" smtClean="0"/>
-              <a:t>10/28/2019</a:t>
+              <a:t>11/4/2019</a:t>
             </a:fld>
             <a:endParaRPr lang="en-US"/>
           </a:p>
@@ -2220,7 +2220,7 @@
           <a:p>
             <a:fld id="{9CC32A1C-68B6-4393-8E61-9D1E3F8399C3}" type="datetimeFigureOut">
               <a:rPr lang="en-US" smtClean="0"/>
-              <a:t>10/28/2019</a:t>
+              <a:t>11/4/2019</a:t>
             </a:fld>
             <a:endParaRPr lang="en-US"/>
           </a:p>
@@ -2531,7 +2531,7 @@
           <a:p>
             <a:fld id="{9CC32A1C-68B6-4393-8E61-9D1E3F8399C3}" type="datetimeFigureOut">
               <a:rPr lang="en-US" smtClean="0"/>
-              <a:t>10/28/2019</a:t>
+              <a:t>11/4/2019</a:t>
             </a:fld>
             <a:endParaRPr lang="en-US"/>
           </a:p>
@@ -2819,7 +2819,7 @@
           <a:p>
             <a:fld id="{9CC32A1C-68B6-4393-8E61-9D1E3F8399C3}" type="datetimeFigureOut">
               <a:rPr lang="en-US" smtClean="0"/>
-              <a:t>10/28/2019</a:t>
+              <a:t>11/4/2019</a:t>
             </a:fld>
             <a:endParaRPr lang="en-US"/>
           </a:p>
@@ -3060,7 +3060,7 @@
           <a:p>
             <a:fld id="{9CC32A1C-68B6-4393-8E61-9D1E3F8399C3}" type="datetimeFigureOut">
               <a:rPr lang="en-US" smtClean="0"/>
-              <a:t>10/28/2019</a:t>
+              <a:t>11/4/2019</a:t>
             </a:fld>
             <a:endParaRPr lang="en-US"/>
           </a:p>
@@ -3517,7 +3517,10 @@
             <a:pPr marL="0" indent="0">
               <a:buNone/>
             </a:pPr>
-            <a:endParaRPr lang="en-US" sz="4000" dirty="0"/>
+            <a:r>
+              <a:rPr lang="en-US" sz="4000" dirty="0"/>
+              <a:t>	</a:t>
+            </a:r>
           </a:p>
           <a:p>
             <a:pPr marL="0" indent="0">
@@ -3570,12 +3573,12 @@
               <a:buNone/>
             </a:pPr>
             <a:r>
-              <a:rPr lang="en-US" sz="4000" dirty="0">
+              <a:rPr lang="en-US" sz="3600" dirty="0">
                 <a:hlinkClick r:id="rId2" tooltip="https://github.com/davew-msft/2019azuremigrateyourapps/invitations"/>
               </a:rPr>
               <a:t>https://github.com/davew-msft/2019AzureMigrateYourApps</a:t>
             </a:r>
-            <a:endParaRPr lang="en-US" sz="5400" dirty="0"/>
+            <a:endParaRPr lang="en-US" sz="4800" dirty="0"/>
           </a:p>
           <a:p>
             <a:pPr marL="0" indent="0">
@@ -3665,7 +3668,15 @@
           <a:p>
             <a:r>
               <a:rPr lang="en-US" sz="4000" dirty="0"/>
-              <a:t>Login Event ID (press blue button):  msevent298wg</a:t>
+              <a:t>Login Event ID (press blue button):  </a:t>
+            </a:r>
+            <a:r>
+              <a:rPr lang="en-US" sz="4000" b="1" dirty="0">
+                <a:solidFill>
+                  <a:schemeClr val="accent1"/>
+                </a:solidFill>
+              </a:rPr>
+              <a:t>msevent619af</a:t>
             </a:r>
           </a:p>
           <a:p>
@@ -3723,23 +3734,9 @@
                     <a:lumMod val="75000"/>
                   </a:schemeClr>
                 </a:solidFill>
-                <a:hlinkClick r:id="rId3">
-                  <a:extLst>
-                    <a:ext uri="{A12FA001-AC4F-418D-AE19-62706E023703}">
-                      <ahyp:hlinkClr xmlns:ahyp="http://schemas.microsoft.com/office/drawing/2018/hyperlinkcolor" val="tx"/>
-                    </a:ext>
-                  </a:extLst>
-                </a:hlinkClick>
               </a:rPr>
-              <a:t>http://bit.ly/34jUzSW</a:t>
-            </a:r>
-            <a:endParaRPr lang="en-US" sz="4000" dirty="0">
-              <a:solidFill>
-                <a:schemeClr val="accent5">
-                  <a:lumMod val="75000"/>
-                </a:schemeClr>
-              </a:solidFill>
-            </a:endParaRPr>
+              <a:t>http://bit.ly/2IVgyqk </a:t>
+            </a:r>
           </a:p>
         </p:txBody>
       </p:sp>
@@ -3818,7 +3815,7 @@
                   </a:schemeClr>
                 </a:solidFill>
               </a:rPr>
-              <a:t>Activation Code: ACTIVATE4084</a:t>
+              <a:t>Activation Code: ACTIVATE4490</a:t>
             </a:r>
           </a:p>
         </p:txBody>
